--- a/Monitoring/ElasticStack/ElasticStack.pptx
+++ b/Monitoring/ElasticStack/ElasticStack.pptx
@@ -29,7 +29,7 @@
       <p:boldItalic r:id="rId15"/>
     </p:embeddedFont>
     <p:embeddedFont>
-      <p:font typeface="Nobile"/>
+      <p:font typeface="Nobile" panose="020B0604020202020204" charset="0"/>
       <p:regular r:id="rId16"/>
       <p:bold r:id="rId17"/>
       <p:italic r:id="rId18"/>
@@ -8379,8 +8379,8 @@
         </p:nvSpPr>
         <p:spPr>
           <a:xfrm>
-            <a:off x="2691416" y="2667756"/>
-            <a:ext cx="1772100" cy="907200"/>
+            <a:off x="2691416" y="2686806"/>
+            <a:ext cx="1772100" cy="888150"/>
           </a:xfrm>
           <a:prstGeom prst="rect">
             <a:avLst/>
@@ -8396,25 +8396,17 @@
           </a:bodyPr>
           <a:lstStyle/>
           <a:p>
-            <a:pPr marL="0" marR="0" lvl="0" indent="0" algn="l" rtl="0">
+            <a:pPr lvl="0">
               <a:lnSpc>
                 <a:spcPct val="115000"/>
               </a:lnSpc>
-              <a:spcBef>
-                <a:spcPts val="0"/>
-              </a:spcBef>
-              <a:spcAft>
-                <a:spcPts val="0"/>
-              </a:spcAft>
               <a:buClr>
                 <a:srgbClr val="404155"/>
               </a:buClr>
-              <a:buSzPts val="1094"/>
-              <a:buFont typeface="Nobile"/>
-              <a:buNone/>
+              <a:buSzPts val="1000"/>
             </a:pPr>
             <a:r>
-              <a:rPr lang="en-US" sz="1093" i="0" u="none" strike="noStrike" cap="none" dirty="0">
+              <a:rPr lang="en-US" sz="1100">
                 <a:solidFill>
                   <a:srgbClr val="404155"/>
                 </a:solidFill>
@@ -8423,9 +8415,21 @@
                 <a:cs typeface="DM Sans"/>
                 <a:sym typeface="DM Sans"/>
               </a:rPr>
-              <a:t>Distributed search and analytics engine that stores and indexes log data for lightning-fast queries.</a:t>
+              <a:t>Collects </a:t>
             </a:r>
-            <a:endParaRPr sz="1093" i="0" u="none" strike="noStrike" cap="none" dirty="0">
+            <a:r>
+              <a:rPr lang="en-US" sz="1100" dirty="0">
+                <a:solidFill>
+                  <a:srgbClr val="404155"/>
+                </a:solidFill>
+                <a:latin typeface="DM Sans"/>
+                <a:ea typeface="DM Sans"/>
+                <a:cs typeface="DM Sans"/>
+                <a:sym typeface="DM Sans"/>
+              </a:rPr>
+              <a:t>logs from multiple sources, parses content, filters noise and transforms data into a standardized format.</a:t>
+            </a:r>
+            <a:endParaRPr lang="en-US" sz="1100" dirty="0">
               <a:latin typeface="DM Sans"/>
               <a:ea typeface="DM Sans"/>
               <a:cs typeface="DM Sans"/>
